--- a/spider.pptx
+++ b/spider.pptx
@@ -16,24 +16,26 @@
     <p:sldId id="265" r:id="rId11"/>
     <p:sldId id="264" r:id="rId12"/>
     <p:sldId id="267" r:id="rId13"/>
-    <p:sldId id="266" r:id="rId14"/>
-    <p:sldId id="269" r:id="rId15"/>
+    <p:sldId id="269" r:id="rId14"/>
+    <p:sldId id="287" r:id="rId15"/>
     <p:sldId id="268" r:id="rId16"/>
     <p:sldId id="270" r:id="rId17"/>
     <p:sldId id="271" r:id="rId18"/>
     <p:sldId id="272" r:id="rId19"/>
     <p:sldId id="273" r:id="rId20"/>
     <p:sldId id="275" r:id="rId21"/>
-    <p:sldId id="274" r:id="rId22"/>
-    <p:sldId id="276" r:id="rId23"/>
-    <p:sldId id="277" r:id="rId24"/>
-    <p:sldId id="278" r:id="rId25"/>
-    <p:sldId id="279" r:id="rId26"/>
-    <p:sldId id="281" r:id="rId27"/>
-    <p:sldId id="282" r:id="rId28"/>
-    <p:sldId id="280" r:id="rId29"/>
-    <p:sldId id="283" r:id="rId30"/>
-    <p:sldId id="284" r:id="rId31"/>
+    <p:sldId id="285" r:id="rId22"/>
+    <p:sldId id="286" r:id="rId23"/>
+    <p:sldId id="274" r:id="rId24"/>
+    <p:sldId id="276" r:id="rId25"/>
+    <p:sldId id="277" r:id="rId26"/>
+    <p:sldId id="278" r:id="rId27"/>
+    <p:sldId id="279" r:id="rId28"/>
+    <p:sldId id="281" r:id="rId29"/>
+    <p:sldId id="282" r:id="rId30"/>
+    <p:sldId id="280" r:id="rId31"/>
+    <p:sldId id="283" r:id="rId32"/>
+    <p:sldId id="284" r:id="rId33"/>
   </p:sldIdLst>
   <p:sldSz cx="12192000" cy="6858000"/>
   <p:notesSz cx="6858000" cy="9144000"/>
@@ -13906,26 +13908,53 @@
           </a:p>
         </p:txBody>
       </p:sp>
+      <p:sp>
+        <p:nvSpPr>
+          <p:cNvPr id="3" name="内容占位符 2"/>
+          <p:cNvSpPr>
+            <a:spLocks noGrp="1"/>
+          </p:cNvSpPr>
+          <p:nvPr>
+            <p:ph idx="1"/>
+          </p:nvPr>
+        </p:nvSpPr>
+        <p:spPr/>
+        <p:txBody>
+          <a:bodyPr/>
+          <a:p>
+            <a:r>
+              <a:rPr lang="zh-CN" altLang="en-US">
+                <a:hlinkClick r:id="rId1" tooltip="" action="ppaction://hlinkfile"/>
+              </a:rPr>
+              <a:t>https://www.html5rocks.com/en/tutorials/internals/howbrowserswork/</a:t>
+            </a:r>
+            <a:endParaRPr lang="zh-CN" altLang="en-US">
+              <a:hlinkClick r:id="rId1" tooltip="" action="ppaction://hlinkfile"/>
+            </a:endParaRPr>
+          </a:p>
+          <a:p>
+            <a:endParaRPr lang="zh-CN" altLang="en-US"/>
+          </a:p>
+        </p:txBody>
+      </p:sp>
       <p:pic>
         <p:nvPicPr>
-          <p:cNvPr id="4" name="内容占位符 3" descr="webkitflow"/>
+          <p:cNvPr id="4" name="图片 3" descr="webkitflow"/>
           <p:cNvPicPr>
             <a:picLocks noChangeAspect="1"/>
           </p:cNvPicPr>
-          <p:nvPr>
-            <p:ph idx="1"/>
-          </p:nvPr>
+          <p:nvPr/>
         </p:nvPicPr>
         <p:blipFill>
-          <a:blip r:embed="rId1"/>
+          <a:blip r:embed="rId2"/>
           <a:stretch>
             <a:fillRect/>
           </a:stretch>
         </p:blipFill>
         <p:spPr>
           <a:xfrm>
-            <a:off x="2132965" y="2027555"/>
-            <a:ext cx="7924800" cy="3670300"/>
+            <a:off x="3355975" y="2569845"/>
+            <a:ext cx="7923530" cy="3669665"/>
           </a:xfrm>
           <a:prstGeom prst="rect">
             <a:avLst/>
@@ -13966,7 +13995,7 @@
           <a:p>
             <a:r>
               <a:rPr lang="x-none" altLang="zh-CN"/>
-              <a:t>浏览器渲染过程</a:t>
+              <a:t>JavaScript</a:t>
             </a:r>
             <a:endParaRPr lang="x-none" altLang="zh-CN"/>
           </a:p>
@@ -13988,43 +14017,25 @@
           <a:p>
             <a:r>
               <a:rPr lang="zh-CN" altLang="en-US">
-                <a:hlinkClick r:id="rId1" tooltip="" action="ppaction://hlinkfile"/>
+                <a:hlinkClick r:id="rId1" tooltip=""/>
               </a:rPr>
-              <a:t>https://www.html5rocks.com/en/tutorials/internals/howbrowserswork/</a:t>
+              <a:t>http://www.webscrapingfordatascience.com/simplejavascript/</a:t>
             </a:r>
             <a:endParaRPr lang="zh-CN" altLang="en-US">
-              <a:hlinkClick r:id="rId1" tooltip="" action="ppaction://hlinkfile"/>
+              <a:hlinkClick r:id="rId1" tooltip=""/>
             </a:endParaRPr>
           </a:p>
           <a:p>
+            <a:r>
+              <a:rPr lang="zh-CN" altLang="en-US">
+                <a:hlinkClick r:id="rId2" tooltip=""/>
+              </a:rPr>
+              <a:t>http://www.webscrapingfordatascience.com/complexjavascript/</a:t>
+            </a:r>
             <a:endParaRPr lang="zh-CN" altLang="en-US"/>
           </a:p>
         </p:txBody>
       </p:sp>
-      <p:pic>
-        <p:nvPicPr>
-          <p:cNvPr id="4" name="图片 3" descr="webkitflow"/>
-          <p:cNvPicPr>
-            <a:picLocks noChangeAspect="1"/>
-          </p:cNvPicPr>
-          <p:nvPr/>
-        </p:nvPicPr>
-        <p:blipFill>
-          <a:blip r:embed="rId2"/>
-          <a:stretch>
-            <a:fillRect/>
-          </a:stretch>
-        </p:blipFill>
-        <p:spPr>
-          <a:xfrm>
-            <a:off x="3355975" y="2569845"/>
-            <a:ext cx="7923530" cy="3669665"/>
-          </a:xfrm>
-          <a:prstGeom prst="rect">
-            <a:avLst/>
-          </a:prstGeom>
-        </p:spPr>
-      </p:pic>
     </p:spTree>
   </p:cSld>
   <p:clrMapOvr>
@@ -14086,6 +14097,15 @@
             <a:endParaRPr lang="zh-CN" altLang="en-US" sz="2400"/>
           </a:p>
           <a:p>
+            <a:r>
+              <a:rPr lang="zh-CN" altLang="en-US" sz="2400">
+                <a:hlinkClick r:id="rId1" tooltip=""/>
+              </a:rPr>
+              <a:t>http://www.webscrapingfordatascience.com/jsonajax/</a:t>
+            </a:r>
+            <a:endParaRPr lang="zh-CN" altLang="en-US" sz="2400"/>
+          </a:p>
+          <a:p>
             <a:endParaRPr lang="zh-CN" altLang="en-US" sz="2400"/>
           </a:p>
           <a:p>
@@ -14102,14 +14122,14 @@
           <p:nvPr/>
         </p:nvPicPr>
         <p:blipFill>
-          <a:blip r:embed="rId1"/>
+          <a:blip r:embed="rId2"/>
           <a:stretch>
             <a:fillRect/>
           </a:stretch>
         </p:blipFill>
         <p:spPr>
           <a:xfrm>
-            <a:off x="1156335" y="3131820"/>
+            <a:off x="1156335" y="3263900"/>
             <a:ext cx="5916295" cy="3307080"/>
           </a:xfrm>
           <a:prstGeom prst="rect">
@@ -14126,14 +14146,14 @@
           <p:nvPr/>
         </p:nvPicPr>
         <p:blipFill>
-          <a:blip r:embed="rId2"/>
+          <a:blip r:embed="rId3"/>
           <a:stretch>
             <a:fillRect/>
           </a:stretch>
         </p:blipFill>
         <p:spPr>
           <a:xfrm>
-            <a:off x="7771130" y="3138170"/>
+            <a:off x="7771130" y="3239770"/>
             <a:ext cx="3835400" cy="3064510"/>
           </a:xfrm>
           <a:prstGeom prst="rect">
@@ -14827,7 +14847,7 @@
           <a:p>
             <a:r>
               <a:rPr lang="x-none" altLang="zh-CN"/>
-              <a:t>爬虫分类</a:t>
+              <a:t>HTTP POST</a:t>
             </a:r>
             <a:endParaRPr lang="x-none" altLang="zh-CN"/>
           </a:p>
@@ -14848,60 +14868,158 @@
           <a:bodyPr/>
           <a:p>
             <a:r>
+              <a:rPr lang="zh-CN" altLang="en-US">
+                <a:hlinkClick r:id="rId1" tooltip=""/>
+              </a:rPr>
+              <a:t>http://www.webscrapingfordatascience.com/postform/</a:t>
+            </a:r>
+            <a:endParaRPr lang="zh-CN" altLang="en-US">
+              <a:hlinkClick r:id="rId1" tooltip=""/>
+            </a:endParaRPr>
+          </a:p>
+          <a:p>
+            <a:endParaRPr lang="zh-CN" altLang="en-US"/>
+          </a:p>
+          <a:p>
+            <a:endParaRPr lang="zh-CN" altLang="en-US"/>
+          </a:p>
+          <a:p>
+            <a:endParaRPr lang="zh-CN" altLang="en-US"/>
+          </a:p>
+          <a:p>
+            <a:endParaRPr lang="zh-CN" altLang="en-US"/>
+          </a:p>
+          <a:p>
+            <a:endParaRPr lang="zh-CN" altLang="en-US"/>
+          </a:p>
+          <a:p>
+            <a:endParaRPr lang="zh-CN" altLang="en-US"/>
+          </a:p>
+          <a:p>
+            <a:endParaRPr lang="zh-CN" altLang="en-US"/>
+          </a:p>
+          <a:p>
+            <a:r>
+              <a:rPr lang="zh-CN" altLang="en-US">
+                <a:hlinkClick r:id="rId2" tooltip=""/>
+              </a:rPr>
+              <a:t>http://www.webscrapingfordatascience.com/basicform</a:t>
+            </a:r>
+            <a:endParaRPr lang="zh-CN" altLang="en-US"/>
+          </a:p>
+        </p:txBody>
+      </p:sp>
+      <p:pic>
+        <p:nvPicPr>
+          <p:cNvPr id="4" name="图片 3" descr="httppost"/>
+          <p:cNvPicPr>
+            <a:picLocks noChangeAspect="1"/>
+          </p:cNvPicPr>
+          <p:nvPr/>
+        </p:nvPicPr>
+        <p:blipFill>
+          <a:blip r:embed="rId3"/>
+          <a:stretch>
+            <a:fillRect/>
+          </a:stretch>
+        </p:blipFill>
+        <p:spPr>
+          <a:xfrm>
+            <a:off x="1887220" y="2276475"/>
+            <a:ext cx="8323580" cy="3795395"/>
+          </a:xfrm>
+          <a:prstGeom prst="rect">
+            <a:avLst/>
+          </a:prstGeom>
+        </p:spPr>
+      </p:pic>
+    </p:spTree>
+  </p:cSld>
+  <p:clrMapOvr>
+    <a:masterClrMapping/>
+  </p:clrMapOvr>
+</p:sld>
+</file>
+
+<file path=ppt/slides/slide21.xml><?xml version="1.0" encoding="utf-8"?>
+<p:sld xmlns:a="http://schemas.openxmlformats.org/drawingml/2006/main" xmlns:r="http://schemas.openxmlformats.org/officeDocument/2006/relationships" xmlns:p="http://schemas.openxmlformats.org/presentationml/2006/main">
+  <p:cSld>
+    <p:spTree>
+      <p:nvGrpSpPr>
+        <p:cNvPr id="1" name=""/>
+        <p:cNvGrpSpPr/>
+        <p:nvPr/>
+      </p:nvGrpSpPr>
+      <p:grpSpPr/>
+      <p:sp>
+        <p:nvSpPr>
+          <p:cNvPr id="2" name="标题 1"/>
+          <p:cNvSpPr>
+            <a:spLocks noGrp="1"/>
+          </p:cNvSpPr>
+          <p:nvPr>
+            <p:ph type="title"/>
+          </p:nvPr>
+        </p:nvSpPr>
+        <p:spPr/>
+        <p:txBody>
+          <a:bodyPr/>
+          <a:p>
+            <a:r>
               <a:rPr lang="x-none" altLang="zh-CN"/>
-              <a:t>通用爬虫</a:t>
+              <a:t>重定向和验证</a:t>
             </a:r>
             <a:endParaRPr lang="x-none" altLang="zh-CN"/>
           </a:p>
-          <a:p>
-            <a:pPr lvl="1"/>
-            <a:r>
-              <a:rPr lang="x-none" altLang="zh-CN"/>
-              <a:t>通用搜索引擎</a:t>
-            </a:r>
-            <a:endParaRPr lang="x-none" altLang="zh-CN"/>
-          </a:p>
-          <a:p>
-            <a:pPr lvl="0"/>
-            <a:r>
-              <a:rPr lang="x-none" altLang="zh-CN"/>
-              <a:t>垂直</a:t>
-            </a:r>
-            <a:r>
-              <a:rPr lang="x-none" altLang="zh-CN">
-                <a:sym typeface="+mn-ea"/>
+        </p:txBody>
+      </p:sp>
+      <p:sp>
+        <p:nvSpPr>
+          <p:cNvPr id="3" name="内容占位符 2"/>
+          <p:cNvSpPr>
+            <a:spLocks noGrp="1"/>
+          </p:cNvSpPr>
+          <p:nvPr>
+            <p:ph idx="1"/>
+          </p:nvPr>
+        </p:nvSpPr>
+        <p:spPr/>
+        <p:txBody>
+          <a:bodyPr/>
+          <a:p>
+            <a:r>
+              <a:rPr lang="zh-CN" altLang="en-US">
+                <a:hlinkClick r:id="rId1" tooltip=""/>
               </a:rPr>
-              <a:t>(Vertical)</a:t>
-            </a:r>
-            <a:r>
-              <a:rPr lang="x-none" altLang="zh-CN"/>
-              <a:t>爬虫</a:t>
-            </a:r>
-            <a:endParaRPr lang="x-none" altLang="zh-CN"/>
-          </a:p>
-          <a:p>
-            <a:pPr lvl="1"/>
-            <a:r>
-              <a:rPr lang="x-none" altLang="zh-CN" sz="2800"/>
-              <a:t>垂直搜索引擎</a:t>
-            </a:r>
-            <a:endParaRPr lang="x-none" altLang="zh-CN" sz="2800"/>
-          </a:p>
-          <a:p>
-            <a:pPr lvl="0"/>
-            <a:r>
-              <a:rPr lang="x-none" altLang="zh-CN"/>
-              <a:t>定向爬虫</a:t>
-            </a:r>
-            <a:endParaRPr lang="x-none" altLang="zh-CN"/>
-          </a:p>
-          <a:p>
-            <a:pPr lvl="1"/>
-            <a:r>
-              <a:rPr lang="x-none" altLang="zh-CN"/>
-              <a:t>Web Scraping</a:t>
-            </a:r>
-            <a:endParaRPr lang="x-none" altLang="zh-CN"/>
+              <a:t>http://www.webscrapingfordatascience.com/redirect/</a:t>
+            </a:r>
+            <a:endParaRPr lang="zh-CN" altLang="en-US">
+              <a:hlinkClick r:id="rId1" tooltip=""/>
+            </a:endParaRPr>
+          </a:p>
+          <a:p>
+            <a:r>
+              <a:rPr lang="zh-CN" altLang="en-US">
+                <a:hlinkClick r:id="rId2" tooltip="" action="ppaction://hlinkfile"/>
+              </a:rPr>
+              <a:t>https://baike.baidu.com/item/不存在的词条</a:t>
+            </a:r>
+            <a:endParaRPr lang="zh-CN" altLang="en-US"/>
+          </a:p>
+          <a:p>
+            <a:endParaRPr lang="zh-CN" altLang="en-US"/>
+          </a:p>
+          <a:p>
+            <a:r>
+              <a:rPr lang="zh-CN" altLang="en-US">
+                <a:hlinkClick r:id="rId3" tooltip=""/>
+              </a:rPr>
+              <a:t>http://www.webscrapingfordatascience.com/authentication/</a:t>
+            </a:r>
+            <a:endParaRPr lang="zh-CN" altLang="en-US"/>
+          </a:p>
+          <a:p>
+            <a:endParaRPr lang="zh-CN" altLang="en-US"/>
           </a:p>
         </p:txBody>
       </p:sp>
@@ -14913,7 +15031,119 @@
 </p:sld>
 </file>
 
-<file path=ppt/slides/slide21.xml><?xml version="1.0" encoding="utf-8"?>
+<file path=ppt/slides/slide22.xml><?xml version="1.0" encoding="utf-8"?>
+<p:sld xmlns:a="http://schemas.openxmlformats.org/drawingml/2006/main" xmlns:r="http://schemas.openxmlformats.org/officeDocument/2006/relationships" xmlns:p="http://schemas.openxmlformats.org/presentationml/2006/main">
+  <p:cSld>
+    <p:spTree>
+      <p:nvGrpSpPr>
+        <p:cNvPr id="1" name=""/>
+        <p:cNvGrpSpPr/>
+        <p:nvPr/>
+      </p:nvGrpSpPr>
+      <p:grpSpPr/>
+      <p:sp>
+        <p:nvSpPr>
+          <p:cNvPr id="2" name="标题 1"/>
+          <p:cNvSpPr>
+            <a:spLocks noGrp="1"/>
+          </p:cNvSpPr>
+          <p:nvPr>
+            <p:ph type="title"/>
+          </p:nvPr>
+        </p:nvSpPr>
+        <p:spPr/>
+        <p:txBody>
+          <a:bodyPr/>
+          <a:p>
+            <a:r>
+              <a:rPr lang="x-none" altLang="zh-CN"/>
+              <a:t>爬虫分类</a:t>
+            </a:r>
+            <a:endParaRPr lang="x-none" altLang="zh-CN"/>
+          </a:p>
+        </p:txBody>
+      </p:sp>
+      <p:sp>
+        <p:nvSpPr>
+          <p:cNvPr id="3" name="内容占位符 2"/>
+          <p:cNvSpPr>
+            <a:spLocks noGrp="1"/>
+          </p:cNvSpPr>
+          <p:nvPr>
+            <p:ph idx="1"/>
+          </p:nvPr>
+        </p:nvSpPr>
+        <p:spPr/>
+        <p:txBody>
+          <a:bodyPr/>
+          <a:p>
+            <a:r>
+              <a:rPr lang="x-none" altLang="zh-CN"/>
+              <a:t>通用爬虫</a:t>
+            </a:r>
+            <a:endParaRPr lang="x-none" altLang="zh-CN"/>
+          </a:p>
+          <a:p>
+            <a:pPr lvl="1"/>
+            <a:r>
+              <a:rPr lang="x-none" altLang="zh-CN"/>
+              <a:t>通用搜索引擎</a:t>
+            </a:r>
+            <a:endParaRPr lang="x-none" altLang="zh-CN"/>
+          </a:p>
+          <a:p>
+            <a:pPr lvl="0"/>
+            <a:r>
+              <a:rPr lang="x-none" altLang="zh-CN"/>
+              <a:t>垂直</a:t>
+            </a:r>
+            <a:r>
+              <a:rPr lang="x-none" altLang="zh-CN">
+                <a:sym typeface="+mn-ea"/>
+              </a:rPr>
+              <a:t>(Vertical)</a:t>
+            </a:r>
+            <a:r>
+              <a:rPr lang="x-none" altLang="zh-CN"/>
+              <a:t>爬虫</a:t>
+            </a:r>
+            <a:endParaRPr lang="x-none" altLang="zh-CN"/>
+          </a:p>
+          <a:p>
+            <a:pPr lvl="1"/>
+            <a:r>
+              <a:rPr lang="x-none" altLang="zh-CN" sz="2800"/>
+              <a:t>垂直搜索引擎</a:t>
+            </a:r>
+            <a:endParaRPr lang="x-none" altLang="zh-CN" sz="2800"/>
+          </a:p>
+          <a:p>
+            <a:pPr lvl="0"/>
+            <a:r>
+              <a:rPr lang="x-none" altLang="zh-CN"/>
+              <a:t>定向爬虫</a:t>
+            </a:r>
+            <a:endParaRPr lang="x-none" altLang="zh-CN"/>
+          </a:p>
+          <a:p>
+            <a:pPr lvl="1"/>
+            <a:r>
+              <a:rPr lang="x-none" altLang="zh-CN"/>
+              <a:t>Web Scraping</a:t>
+            </a:r>
+            <a:endParaRPr lang="x-none" altLang="zh-CN"/>
+          </a:p>
+        </p:txBody>
+      </p:sp>
+    </p:spTree>
+  </p:cSld>
+  <p:clrMapOvr>
+    <a:masterClrMapping/>
+  </p:clrMapOvr>
+</p:sld>
+</file>
+
+<file path=ppt/slides/slide23.xml><?xml version="1.0" encoding="utf-8"?>
 <p:sld xmlns:a="http://schemas.openxmlformats.org/drawingml/2006/main" xmlns:r="http://schemas.openxmlformats.org/officeDocument/2006/relationships" xmlns:p="http://schemas.openxmlformats.org/presentationml/2006/main">
   <p:cSld>
     <p:spTree>
@@ -15027,182 +15257,6 @@
 </p:sld>
 </file>
 
-<file path=ppt/slides/slide22.xml><?xml version="1.0" encoding="utf-8"?>
-<p:sld xmlns:a="http://schemas.openxmlformats.org/drawingml/2006/main" xmlns:r="http://schemas.openxmlformats.org/officeDocument/2006/relationships" xmlns:p="http://schemas.openxmlformats.org/presentationml/2006/main">
-  <p:cSld>
-    <p:spTree>
-      <p:nvGrpSpPr>
-        <p:cNvPr id="1" name=""/>
-        <p:cNvGrpSpPr/>
-        <p:nvPr/>
-      </p:nvGrpSpPr>
-      <p:grpSpPr/>
-      <p:sp>
-        <p:nvSpPr>
-          <p:cNvPr id="2" name="标题 1"/>
-          <p:cNvSpPr>
-            <a:spLocks noGrp="1"/>
-          </p:cNvSpPr>
-          <p:nvPr>
-            <p:ph type="title"/>
-          </p:nvPr>
-        </p:nvSpPr>
-        <p:spPr/>
-        <p:txBody>
-          <a:bodyPr/>
-          <a:p>
-            <a:r>
-              <a:rPr lang="x-none" altLang="zh-CN"/>
-              <a:t>通用爬虫的挑战</a:t>
-            </a:r>
-            <a:endParaRPr lang="x-none" altLang="zh-CN"/>
-          </a:p>
-        </p:txBody>
-      </p:sp>
-      <p:sp>
-        <p:nvSpPr>
-          <p:cNvPr id="3" name="内容占位符 2"/>
-          <p:cNvSpPr>
-            <a:spLocks noGrp="1"/>
-          </p:cNvSpPr>
-          <p:nvPr>
-            <p:ph idx="1"/>
-          </p:nvPr>
-        </p:nvSpPr>
-        <p:spPr/>
-        <p:txBody>
-          <a:bodyPr/>
-          <a:p>
-            <a:r>
-              <a:rPr lang="x-none" altLang="zh-CN"/>
-              <a:t>海量数据</a:t>
-            </a:r>
-            <a:endParaRPr lang="x-none" altLang="zh-CN"/>
-          </a:p>
-          <a:p>
-            <a:pPr lvl="1"/>
-            <a:r>
-              <a:rPr lang="x-none" altLang="zh-CN"/>
-              <a:t>Google索引了上千亿网页</a:t>
-            </a:r>
-            <a:endParaRPr lang="x-none" altLang="zh-CN"/>
-          </a:p>
-          <a:p>
-            <a:pPr lvl="0"/>
-            <a:r>
-              <a:rPr lang="x-none" altLang="zh-CN"/>
-              <a:t>实时</a:t>
-            </a:r>
-            <a:endParaRPr lang="x-none" altLang="zh-CN"/>
-          </a:p>
-          <a:p>
-            <a:pPr lvl="1"/>
-            <a:r>
-              <a:rPr lang="x-none" altLang="zh-CN"/>
-              <a:t>新的文章能在几分钟搜到</a:t>
-            </a:r>
-            <a:endParaRPr lang="x-none" altLang="zh-CN"/>
-          </a:p>
-          <a:p>
-            <a:pPr lvl="0"/>
-            <a:r>
-              <a:rPr lang="x-none" altLang="zh-CN"/>
-              <a:t>深度网络</a:t>
-            </a:r>
-            <a:endParaRPr lang="x-none" altLang="zh-CN"/>
-          </a:p>
-          <a:p>
-            <a:pPr lvl="1"/>
-            <a:r>
-              <a:rPr lang="x-none" altLang="zh-CN"/>
-              <a:t>社交媒体、自媒体</a:t>
-            </a:r>
-            <a:endParaRPr lang="x-none" altLang="zh-CN"/>
-          </a:p>
-          <a:p>
-            <a:pPr lvl="0"/>
-            <a:r>
-              <a:rPr lang="x-none" altLang="zh-CN"/>
-              <a:t>反作弊</a:t>
-            </a:r>
-            <a:endParaRPr lang="x-none" altLang="zh-CN"/>
-          </a:p>
-          <a:p>
-            <a:pPr lvl="1"/>
-            <a:r>
-              <a:rPr lang="x-none" altLang="zh-CN"/>
-              <a:t>爬虫陷阱</a:t>
-            </a:r>
-            <a:endParaRPr lang="x-none" altLang="zh-CN"/>
-          </a:p>
-        </p:txBody>
-      </p:sp>
-    </p:spTree>
-  </p:cSld>
-  <p:clrMapOvr>
-    <a:masterClrMapping/>
-  </p:clrMapOvr>
-</p:sld>
-</file>
-
-<file path=ppt/slides/slide23.xml><?xml version="1.0" encoding="utf-8"?>
-<p:sld xmlns:a="http://schemas.openxmlformats.org/drawingml/2006/main" xmlns:r="http://schemas.openxmlformats.org/officeDocument/2006/relationships" xmlns:p="http://schemas.openxmlformats.org/presentationml/2006/main">
-  <p:cSld>
-    <p:spTree>
-      <p:nvGrpSpPr>
-        <p:cNvPr id="1" name=""/>
-        <p:cNvGrpSpPr/>
-        <p:nvPr/>
-      </p:nvGrpSpPr>
-      <p:grpSpPr/>
-      <p:sp>
-        <p:nvSpPr>
-          <p:cNvPr id="2" name="标题 1"/>
-          <p:cNvSpPr>
-            <a:spLocks noGrp="1"/>
-          </p:cNvSpPr>
-          <p:nvPr>
-            <p:ph type="title"/>
-          </p:nvPr>
-        </p:nvSpPr>
-        <p:spPr/>
-        <p:txBody>
-          <a:bodyPr/>
-          <a:p>
-            <a:r>
-              <a:rPr lang="x-none" altLang="zh-CN"/>
-              <a:t>定向爬虫</a:t>
-            </a:r>
-            <a:endParaRPr lang="x-none" altLang="zh-CN"/>
-          </a:p>
-        </p:txBody>
-      </p:sp>
-      <p:sp>
-        <p:nvSpPr>
-          <p:cNvPr id="3" name="内容占位符 2"/>
-          <p:cNvSpPr>
-            <a:spLocks noGrp="1"/>
-          </p:cNvSpPr>
-          <p:nvPr>
-            <p:ph idx="1"/>
-          </p:nvPr>
-        </p:nvSpPr>
-        <p:spPr/>
-        <p:txBody>
-          <a:bodyPr/>
-          <a:p>
-            <a:endParaRPr lang="zh-CN" altLang="en-US"/>
-          </a:p>
-        </p:txBody>
-      </p:sp>
-    </p:spTree>
-  </p:cSld>
-  <p:clrMapOvr>
-    <a:masterClrMapping/>
-  </p:clrMapOvr>
-</p:sld>
-</file>
-
 <file path=ppt/slides/slide24.xml><?xml version="1.0" encoding="utf-8"?>
 <p:sld xmlns:a="http://schemas.openxmlformats.org/drawingml/2006/main" xmlns:r="http://schemas.openxmlformats.org/officeDocument/2006/relationships" xmlns:p="http://schemas.openxmlformats.org/presentationml/2006/main">
   <p:cSld>
@@ -15229,7 +15283,7 @@
           <a:p>
             <a:r>
               <a:rPr lang="x-none" altLang="zh-CN"/>
-              <a:t>反爬虫</a:t>
+              <a:t>通用爬虫的挑战</a:t>
             </a:r>
             <a:endParaRPr lang="x-none" altLang="zh-CN"/>
           </a:p>
@@ -15251,53 +15305,63 @@
           <a:p>
             <a:r>
               <a:rPr lang="x-none" altLang="zh-CN"/>
-              <a:t>r</a:t>
-            </a:r>
-            <a:r>
-              <a:rPr lang="zh-CN" altLang="en-US"/>
-              <a:t>obots.txt </a:t>
-            </a:r>
-            <a:r>
-              <a:rPr lang="zh-CN" altLang="en-US">
-                <a:hlinkClick r:id="rId1" tooltip="" action="ppaction://hlinkfile"/>
-              </a:rPr>
-              <a:t>https://www.baidu.com/robots.txt</a:t>
-            </a:r>
-            <a:endParaRPr lang="zh-CN" altLang="en-US">
-              <a:hlinkClick r:id="rId1" tooltip="" action="ppaction://hlinkfile"/>
-            </a:endParaRPr>
-          </a:p>
-          <a:p>
+              <a:t>海量数据</a:t>
+            </a:r>
+            <a:endParaRPr lang="x-none" altLang="zh-CN"/>
+          </a:p>
+          <a:p>
+            <a:pPr lvl="1"/>
             <a:r>
               <a:rPr lang="x-none" altLang="zh-CN"/>
-              <a:t>封ip/</a:t>
-            </a:r>
-            <a:r>
-              <a:rPr lang="x-none" altLang="zh-CN">
-                <a:sym typeface="+mn-ea"/>
-              </a:rPr>
-              <a:t>验证码</a:t>
+              <a:t>Google索引了上千亿网页</a:t>
             </a:r>
             <a:endParaRPr lang="x-none" altLang="zh-CN"/>
           </a:p>
           <a:p>
+            <a:pPr lvl="0"/>
             <a:r>
               <a:rPr lang="x-none" altLang="zh-CN"/>
-              <a:t>headers检验</a:t>
+              <a:t>实时</a:t>
             </a:r>
             <a:endParaRPr lang="x-none" altLang="zh-CN"/>
           </a:p>
           <a:p>
+            <a:pPr lvl="1"/>
             <a:r>
               <a:rPr lang="x-none" altLang="zh-CN"/>
-              <a:t>登录</a:t>
+              <a:t>新的文章能在几分钟搜到</a:t>
             </a:r>
             <a:endParaRPr lang="x-none" altLang="zh-CN"/>
           </a:p>
           <a:p>
+            <a:pPr lvl="0"/>
             <a:r>
               <a:rPr lang="x-none" altLang="zh-CN"/>
-              <a:t>js "加密"</a:t>
+              <a:t>深度网络</a:t>
+            </a:r>
+            <a:endParaRPr lang="x-none" altLang="zh-CN"/>
+          </a:p>
+          <a:p>
+            <a:pPr lvl="1"/>
+            <a:r>
+              <a:rPr lang="x-none" altLang="zh-CN"/>
+              <a:t>社交媒体、自媒体</a:t>
+            </a:r>
+            <a:endParaRPr lang="x-none" altLang="zh-CN"/>
+          </a:p>
+          <a:p>
+            <a:pPr lvl="0"/>
+            <a:r>
+              <a:rPr lang="x-none" altLang="zh-CN"/>
+              <a:t>反作弊</a:t>
+            </a:r>
+            <a:endParaRPr lang="x-none" altLang="zh-CN"/>
+          </a:p>
+          <a:p>
+            <a:pPr lvl="1"/>
+            <a:r>
+              <a:rPr lang="x-none" altLang="zh-CN"/>
+              <a:t>爬虫陷阱</a:t>
             </a:r>
             <a:endParaRPr lang="x-none" altLang="zh-CN"/>
           </a:p>
@@ -15337,7 +15401,7 @@
           <a:p>
             <a:r>
               <a:rPr lang="x-none" altLang="zh-CN"/>
-              <a:t>网页解析</a:t>
+              <a:t>定向爬虫</a:t>
             </a:r>
             <a:endParaRPr lang="x-none" altLang="zh-CN"/>
           </a:p>
@@ -15357,63 +15421,7 @@
         <p:txBody>
           <a:bodyPr/>
           <a:p>
-            <a:r>
-              <a:rPr lang="x-none" altLang="zh-CN"/>
-              <a:t>抽取网页的重要数据</a:t>
-            </a:r>
-            <a:endParaRPr lang="x-none" altLang="zh-CN"/>
-          </a:p>
-          <a:p>
-            <a:pPr lvl="1"/>
-            <a:r>
-              <a:rPr lang="x-none" altLang="zh-CN"/>
-              <a:t>标题</a:t>
-            </a:r>
-            <a:endParaRPr lang="x-none" altLang="zh-CN"/>
-          </a:p>
-          <a:p>
-            <a:pPr lvl="1"/>
-            <a:r>
-              <a:rPr lang="x-none" altLang="zh-CN"/>
-              <a:t>正文</a:t>
-            </a:r>
-            <a:endParaRPr lang="x-none" altLang="zh-CN"/>
-          </a:p>
-          <a:p>
-            <a:pPr lvl="1"/>
-            <a:r>
-              <a:rPr lang="x-none" altLang="zh-CN"/>
-              <a:t>发表时间</a:t>
-            </a:r>
-            <a:endParaRPr lang="x-none" altLang="zh-CN"/>
-          </a:p>
-          <a:p>
-            <a:pPr lvl="0"/>
-            <a:r>
-              <a:rPr lang="x-none" altLang="zh-CN"/>
-              <a:t>方法</a:t>
-            </a:r>
-            <a:endParaRPr lang="x-none" altLang="zh-CN"/>
-          </a:p>
-          <a:p>
-            <a:pPr lvl="1"/>
-            <a:r>
-              <a:rPr lang="x-none" altLang="zh-CN"/>
-              <a:t>手写模板/规则</a:t>
-            </a:r>
-            <a:endParaRPr lang="x-none" altLang="zh-CN"/>
-          </a:p>
-          <a:p>
-            <a:pPr lvl="1"/>
-            <a:r>
-              <a:rPr lang="x-none" altLang="zh-CN"/>
-              <a:t>通用方法</a:t>
-            </a:r>
-            <a:endParaRPr lang="x-none" altLang="zh-CN"/>
-          </a:p>
-          <a:p>
-            <a:pPr lvl="1"/>
-            <a:endParaRPr lang="x-none" altLang="zh-CN"/>
+            <a:endParaRPr lang="zh-CN" altLang="en-US"/>
           </a:p>
         </p:txBody>
       </p:sp>
@@ -15451,7 +15459,7 @@
           <a:p>
             <a:r>
               <a:rPr lang="x-none" altLang="zh-CN"/>
-              <a:t>XPath</a:t>
+              <a:t>反爬虫</a:t>
             </a:r>
             <a:endParaRPr lang="x-none" altLang="zh-CN"/>
           </a:p>
@@ -15472,26 +15480,56 @@
           <a:bodyPr/>
           <a:p>
             <a:r>
+              <a:rPr lang="x-none" altLang="zh-CN"/>
+              <a:t>r</a:t>
+            </a:r>
+            <a:r>
+              <a:rPr lang="zh-CN" altLang="en-US"/>
+              <a:t>obots.txt </a:t>
+            </a:r>
+            <a:r>
               <a:rPr lang="zh-CN" altLang="en-US">
                 <a:hlinkClick r:id="rId1" tooltip="" action="ppaction://hlinkfile"/>
               </a:rPr>
-              <a:t>https://www.w3schools.com/xml/xpath_intro.asp</a:t>
+              <a:t>https://www.baidu.com/robots.txt</a:t>
             </a:r>
             <a:endParaRPr lang="zh-CN" altLang="en-US">
               <a:hlinkClick r:id="rId1" tooltip="" action="ppaction://hlinkfile"/>
             </a:endParaRPr>
           </a:p>
           <a:p>
-            <a:endParaRPr lang="zh-CN" altLang="en-US"/>
-          </a:p>
-          <a:p>
-            <a:r>
-              <a:rPr lang="zh-CN" altLang="en-US">
-                <a:hlinkClick r:id="rId2" tooltip="" action="ppaction://hlinkfile"/>
+            <a:r>
+              <a:rPr lang="x-none" altLang="zh-CN"/>
+              <a:t>封ip/</a:t>
+            </a:r>
+            <a:r>
+              <a:rPr lang="x-none" altLang="zh-CN">
+                <a:sym typeface="+mn-ea"/>
               </a:rPr>
-              <a:t>https://doc.scrapy.org/en/xpath-tutorial/topics/xpath-tutorial.html</a:t>
-            </a:r>
-            <a:endParaRPr lang="zh-CN" altLang="en-US"/>
+              <a:t>验证码</a:t>
+            </a:r>
+            <a:endParaRPr lang="x-none" altLang="zh-CN"/>
+          </a:p>
+          <a:p>
+            <a:r>
+              <a:rPr lang="x-none" altLang="zh-CN"/>
+              <a:t>headers检验</a:t>
+            </a:r>
+            <a:endParaRPr lang="x-none" altLang="zh-CN"/>
+          </a:p>
+          <a:p>
+            <a:r>
+              <a:rPr lang="x-none" altLang="zh-CN"/>
+              <a:t>登录</a:t>
+            </a:r>
+            <a:endParaRPr lang="x-none" altLang="zh-CN"/>
+          </a:p>
+          <a:p>
+            <a:r>
+              <a:rPr lang="x-none" altLang="zh-CN"/>
+              <a:t>js "加密"</a:t>
+            </a:r>
+            <a:endParaRPr lang="x-none" altLang="zh-CN"/>
           </a:p>
         </p:txBody>
       </p:sp>
@@ -15529,7 +15567,7 @@
           <a:p>
             <a:r>
               <a:rPr lang="x-none" altLang="zh-CN"/>
-              <a:t>工具介绍</a:t>
+              <a:t>网页解析</a:t>
             </a:r>
             <a:endParaRPr lang="x-none" altLang="zh-CN"/>
           </a:p>
@@ -15551,25 +15589,60 @@
           <a:p>
             <a:r>
               <a:rPr lang="x-none" altLang="zh-CN"/>
-              <a:t>Firebug</a:t>
+              <a:t>抽取网页的重要数据</a:t>
             </a:r>
             <a:endParaRPr lang="x-none" altLang="zh-CN"/>
           </a:p>
           <a:p>
+            <a:pPr lvl="1"/>
             <a:r>
               <a:rPr lang="x-none" altLang="zh-CN"/>
-              <a:t>Tcpflow</a:t>
+              <a:t>标题</a:t>
             </a:r>
             <a:endParaRPr lang="x-none" altLang="zh-CN"/>
           </a:p>
           <a:p>
+            <a:pPr lvl="1"/>
             <a:r>
               <a:rPr lang="x-none" altLang="zh-CN"/>
-              <a:t>Xpath插件</a:t>
+              <a:t>正文</a:t>
             </a:r>
             <a:endParaRPr lang="x-none" altLang="zh-CN"/>
           </a:p>
           <a:p>
+            <a:pPr lvl="1"/>
+            <a:r>
+              <a:rPr lang="x-none" altLang="zh-CN"/>
+              <a:t>发表时间</a:t>
+            </a:r>
+            <a:endParaRPr lang="x-none" altLang="zh-CN"/>
+          </a:p>
+          <a:p>
+            <a:pPr lvl="0"/>
+            <a:r>
+              <a:rPr lang="x-none" altLang="zh-CN"/>
+              <a:t>方法</a:t>
+            </a:r>
+            <a:endParaRPr lang="x-none" altLang="zh-CN"/>
+          </a:p>
+          <a:p>
+            <a:pPr lvl="1"/>
+            <a:r>
+              <a:rPr lang="x-none" altLang="zh-CN"/>
+              <a:t>手写模板/规则</a:t>
+            </a:r>
+            <a:endParaRPr lang="x-none" altLang="zh-CN"/>
+          </a:p>
+          <a:p>
+            <a:pPr lvl="1"/>
+            <a:r>
+              <a:rPr lang="x-none" altLang="zh-CN"/>
+              <a:t>通用方法</a:t>
+            </a:r>
+            <a:endParaRPr lang="x-none" altLang="zh-CN"/>
+          </a:p>
+          <a:p>
+            <a:pPr lvl="1"/>
             <a:endParaRPr lang="x-none" altLang="zh-CN"/>
           </a:p>
         </p:txBody>
@@ -15608,7 +15681,7 @@
           <a:p>
             <a:r>
               <a:rPr lang="x-none" altLang="zh-CN"/>
-              <a:t>练习</a:t>
+              <a:t>XPath</a:t>
             </a:r>
             <a:endParaRPr lang="x-none" altLang="zh-CN"/>
           </a:p>
@@ -15629,82 +15702,26 @@
           <a:bodyPr/>
           <a:p>
             <a:r>
-              <a:rPr lang="x-none" altLang="zh-CN"/>
-              <a:t>在终端打印百度首页的DOM树</a:t>
-            </a:r>
-            <a:endParaRPr lang="x-none" altLang="zh-CN"/>
-          </a:p>
-          <a:p>
-            <a:pPr lvl="1"/>
-            <a:r>
-              <a:rPr lang="x-none" altLang="zh-CN" sz="2800"/>
-              <a:t>递归遍历DOM树</a:t>
-            </a:r>
-            <a:endParaRPr lang="x-none" altLang="zh-CN" sz="2800"/>
-          </a:p>
-          <a:p>
-            <a:r>
-              <a:rPr lang="x-none" altLang="zh-CN"/>
-              <a:t>抓取一个网站</a:t>
-            </a:r>
-            <a:endParaRPr lang="x-none" altLang="zh-CN"/>
-          </a:p>
-          <a:p>
-            <a:pPr lvl="1"/>
-            <a:r>
-              <a:rPr lang="x-none" altLang="zh-CN" sz="2800"/>
-              <a:t>使用介绍的框架</a:t>
-            </a:r>
-            <a:endParaRPr lang="x-none" altLang="zh-CN" sz="2800"/>
-          </a:p>
-          <a:p>
-            <a:r>
-              <a:rPr lang="x-none" altLang="zh-CN"/>
-              <a:t>根据关键词抓取搜狗微信文章</a:t>
-            </a:r>
-            <a:endParaRPr lang="x-none" altLang="zh-CN"/>
-          </a:p>
-          <a:p>
-            <a:pPr lvl="1"/>
-            <a:r>
-              <a:rPr lang="x-none" altLang="zh-CN"/>
-              <a:t>Referer、速度控制</a:t>
-            </a:r>
-            <a:endParaRPr lang="x-none" altLang="zh-CN"/>
-          </a:p>
-          <a:p>
-            <a:pPr lvl="0"/>
-            <a:r>
-              <a:rPr lang="x-none" altLang="zh-CN"/>
-              <a:t>抓取</a:t>
-            </a:r>
-            <a:r>
-              <a:rPr lang="x-none" altLang="zh-CN">
+              <a:rPr lang="zh-CN" altLang="en-US">
                 <a:hlinkClick r:id="rId1" tooltip="" action="ppaction://hlinkfile"/>
               </a:rPr>
-              <a:t>https://music.163.com/#/song?id=168091</a:t>
-            </a:r>
-            <a:r>
-              <a:rPr lang="x-none" altLang="zh-CN"/>
-              <a:t> 的所有评论</a:t>
-            </a:r>
-            <a:endParaRPr lang="x-none" altLang="zh-CN"/>
-          </a:p>
-          <a:p>
-            <a:pPr lvl="1"/>
-            <a:r>
-              <a:rPr lang="x-none" altLang="zh-CN"/>
-              <a:t>url前端加密</a:t>
-            </a:r>
-            <a:endParaRPr lang="x-none" altLang="zh-CN"/>
-          </a:p>
-          <a:p>
-            <a:pPr lvl="0"/>
-            <a:endParaRPr lang="x-none" altLang="zh-CN"/>
-          </a:p>
-          <a:p>
-            <a:pPr lvl="0"/>
-            <a:endParaRPr lang="x-none" altLang="zh-CN"/>
+              <a:t>https://www.w3schools.com/xml/xpath_intro.asp</a:t>
+            </a:r>
+            <a:endParaRPr lang="zh-CN" altLang="en-US">
+              <a:hlinkClick r:id="rId1" tooltip="" action="ppaction://hlinkfile"/>
+            </a:endParaRPr>
+          </a:p>
+          <a:p>
+            <a:endParaRPr lang="zh-CN" altLang="en-US"/>
+          </a:p>
+          <a:p>
+            <a:r>
+              <a:rPr lang="zh-CN" altLang="en-US">
+                <a:hlinkClick r:id="rId2" tooltip="" action="ppaction://hlinkfile"/>
+              </a:rPr>
+              <a:t>https://doc.scrapy.org/en/xpath-tutorial/topics/xpath-tutorial.html</a:t>
+            </a:r>
+            <a:endParaRPr lang="zh-CN" altLang="en-US"/>
           </a:p>
         </p:txBody>
       </p:sp>
@@ -15742,7 +15759,7 @@
           <a:p>
             <a:r>
               <a:rPr lang="x-none" altLang="zh-CN"/>
-              <a:t>练习</a:t>
+              <a:t>工具介绍</a:t>
             </a:r>
             <a:endParaRPr lang="x-none" altLang="zh-CN"/>
           </a:p>
@@ -15762,62 +15779,27 @@
         <p:txBody>
           <a:bodyPr/>
           <a:p>
-            <a:pPr lvl="0"/>
-            <a:r>
-              <a:rPr lang="x-none" altLang="zh-CN" sz="3200">
-                <a:sym typeface="+mn-ea"/>
-              </a:rPr>
-              <a:t>通用的标题和正文抽取器</a:t>
-            </a:r>
-            <a:endParaRPr lang="x-none" altLang="zh-CN" sz="3200"/>
-          </a:p>
-          <a:p>
-            <a:pPr lvl="1"/>
-            <a:r>
-              <a:rPr lang="x-none" altLang="zh-CN" sz="3200">
-                <a:sym typeface="+mn-ea"/>
-              </a:rPr>
-              <a:t>anchor text ratio</a:t>
+            <a:r>
+              <a:rPr lang="x-none" altLang="zh-CN"/>
+              <a:t>Firebug</a:t>
             </a:r>
             <a:endParaRPr lang="x-none" altLang="zh-CN"/>
           </a:p>
           <a:p>
             <a:r>
               <a:rPr lang="x-none" altLang="zh-CN"/>
-              <a:t>网页截图，超过一屏的截屏，某个元素(验证码)的截屏</a:t>
+              <a:t>Tcpflow</a:t>
             </a:r>
             <a:endParaRPr lang="x-none" altLang="zh-CN"/>
           </a:p>
           <a:p>
-            <a:pPr lvl="1"/>
             <a:r>
               <a:rPr lang="x-none" altLang="zh-CN"/>
-              <a:t>AShot</a:t>
+              <a:t>Xpath插件</a:t>
             </a:r>
             <a:endParaRPr lang="x-none" altLang="zh-CN"/>
           </a:p>
           <a:p>
-            <a:pPr lvl="0"/>
-            <a:r>
-              <a:rPr lang="x-none" altLang="zh-CN"/>
-              <a:t>抓取qunar明天北京到上海所有航班的票价</a:t>
-            </a:r>
-            <a:endParaRPr lang="x-none" altLang="zh-CN"/>
-          </a:p>
-          <a:p>
-            <a:pPr lvl="1"/>
-            <a:r>
-              <a:rPr lang="x-none" altLang="zh-CN"/>
-              <a:t>前端视觉混淆</a:t>
-            </a:r>
-            <a:endParaRPr lang="x-none" altLang="zh-CN"/>
-          </a:p>
-          <a:p>
-            <a:pPr lvl="0"/>
-            <a:endParaRPr lang="x-none" altLang="zh-CN"/>
-          </a:p>
-          <a:p>
-            <a:pPr lvl="0"/>
             <a:endParaRPr lang="x-none" altLang="zh-CN"/>
           </a:p>
         </p:txBody>
@@ -16000,6 +15982,254 @@
               <a:rPr lang="x-none" altLang="zh-CN"/>
               <a:t>Spider</a:t>
             </a:r>
+            <a:endParaRPr lang="x-none" altLang="zh-CN"/>
+          </a:p>
+        </p:txBody>
+      </p:sp>
+    </p:spTree>
+  </p:cSld>
+  <p:clrMapOvr>
+    <a:masterClrMapping/>
+  </p:clrMapOvr>
+</p:sld>
+</file>
+
+<file path=ppt/slides/slide30.xml><?xml version="1.0" encoding="utf-8"?>
+<p:sld xmlns:a="http://schemas.openxmlformats.org/drawingml/2006/main" xmlns:r="http://schemas.openxmlformats.org/officeDocument/2006/relationships" xmlns:p="http://schemas.openxmlformats.org/presentationml/2006/main">
+  <p:cSld>
+    <p:spTree>
+      <p:nvGrpSpPr>
+        <p:cNvPr id="1" name=""/>
+        <p:cNvGrpSpPr/>
+        <p:nvPr/>
+      </p:nvGrpSpPr>
+      <p:grpSpPr/>
+      <p:sp>
+        <p:nvSpPr>
+          <p:cNvPr id="2" name="标题 1"/>
+          <p:cNvSpPr>
+            <a:spLocks noGrp="1"/>
+          </p:cNvSpPr>
+          <p:nvPr>
+            <p:ph type="title"/>
+          </p:nvPr>
+        </p:nvSpPr>
+        <p:spPr/>
+        <p:txBody>
+          <a:bodyPr/>
+          <a:p>
+            <a:r>
+              <a:rPr lang="x-none" altLang="zh-CN"/>
+              <a:t>练习</a:t>
+            </a:r>
+            <a:endParaRPr lang="x-none" altLang="zh-CN"/>
+          </a:p>
+        </p:txBody>
+      </p:sp>
+      <p:sp>
+        <p:nvSpPr>
+          <p:cNvPr id="3" name="内容占位符 2"/>
+          <p:cNvSpPr>
+            <a:spLocks noGrp="1"/>
+          </p:cNvSpPr>
+          <p:nvPr>
+            <p:ph idx="1"/>
+          </p:nvPr>
+        </p:nvSpPr>
+        <p:spPr/>
+        <p:txBody>
+          <a:bodyPr/>
+          <a:p>
+            <a:r>
+              <a:rPr lang="x-none" altLang="zh-CN"/>
+              <a:t>在终端打印百度首页的DOM树</a:t>
+            </a:r>
+            <a:endParaRPr lang="x-none" altLang="zh-CN"/>
+          </a:p>
+          <a:p>
+            <a:pPr lvl="1"/>
+            <a:r>
+              <a:rPr lang="x-none" altLang="zh-CN" sz="2800"/>
+              <a:t>递归遍历DOM树</a:t>
+            </a:r>
+            <a:endParaRPr lang="x-none" altLang="zh-CN" sz="2800"/>
+          </a:p>
+          <a:p>
+            <a:r>
+              <a:rPr lang="x-none" altLang="zh-CN"/>
+              <a:t>抓取一个网站</a:t>
+            </a:r>
+            <a:endParaRPr lang="x-none" altLang="zh-CN"/>
+          </a:p>
+          <a:p>
+            <a:pPr lvl="1"/>
+            <a:r>
+              <a:rPr lang="x-none" altLang="zh-CN" sz="2800"/>
+              <a:t>使用介绍的框架</a:t>
+            </a:r>
+            <a:endParaRPr lang="x-none" altLang="zh-CN" sz="2800"/>
+          </a:p>
+          <a:p>
+            <a:r>
+              <a:rPr lang="x-none" altLang="zh-CN"/>
+              <a:t>根据关键词抓取搜狗微信文章</a:t>
+            </a:r>
+            <a:endParaRPr lang="x-none" altLang="zh-CN"/>
+          </a:p>
+          <a:p>
+            <a:pPr lvl="1"/>
+            <a:r>
+              <a:rPr lang="x-none" altLang="zh-CN"/>
+              <a:t>Referer、速度控制</a:t>
+            </a:r>
+            <a:endParaRPr lang="x-none" altLang="zh-CN"/>
+          </a:p>
+          <a:p>
+            <a:pPr lvl="0"/>
+            <a:r>
+              <a:rPr lang="x-none" altLang="zh-CN"/>
+              <a:t>抓取</a:t>
+            </a:r>
+            <a:r>
+              <a:rPr lang="x-none" altLang="zh-CN">
+                <a:hlinkClick r:id="rId1" tooltip="" action="ppaction://hlinkfile"/>
+              </a:rPr>
+              <a:t>https://music.163.com/#/song?id=168091</a:t>
+            </a:r>
+            <a:r>
+              <a:rPr lang="x-none" altLang="zh-CN"/>
+              <a:t> 的所有评论</a:t>
+            </a:r>
+            <a:endParaRPr lang="x-none" altLang="zh-CN"/>
+          </a:p>
+          <a:p>
+            <a:pPr lvl="1"/>
+            <a:r>
+              <a:rPr lang="x-none" altLang="zh-CN"/>
+              <a:t>url前端加密</a:t>
+            </a:r>
+            <a:endParaRPr lang="x-none" altLang="zh-CN"/>
+          </a:p>
+          <a:p>
+            <a:pPr lvl="0"/>
+            <a:endParaRPr lang="x-none" altLang="zh-CN"/>
+          </a:p>
+          <a:p>
+            <a:pPr lvl="0"/>
+            <a:endParaRPr lang="x-none" altLang="zh-CN"/>
+          </a:p>
+        </p:txBody>
+      </p:sp>
+    </p:spTree>
+  </p:cSld>
+  <p:clrMapOvr>
+    <a:masterClrMapping/>
+  </p:clrMapOvr>
+</p:sld>
+</file>
+
+<file path=ppt/slides/slide31.xml><?xml version="1.0" encoding="utf-8"?>
+<p:sld xmlns:a="http://schemas.openxmlformats.org/drawingml/2006/main" xmlns:r="http://schemas.openxmlformats.org/officeDocument/2006/relationships" xmlns:p="http://schemas.openxmlformats.org/presentationml/2006/main">
+  <p:cSld>
+    <p:spTree>
+      <p:nvGrpSpPr>
+        <p:cNvPr id="1" name=""/>
+        <p:cNvGrpSpPr/>
+        <p:nvPr/>
+      </p:nvGrpSpPr>
+      <p:grpSpPr/>
+      <p:sp>
+        <p:nvSpPr>
+          <p:cNvPr id="2" name="标题 1"/>
+          <p:cNvSpPr>
+            <a:spLocks noGrp="1"/>
+          </p:cNvSpPr>
+          <p:nvPr>
+            <p:ph type="title"/>
+          </p:nvPr>
+        </p:nvSpPr>
+        <p:spPr/>
+        <p:txBody>
+          <a:bodyPr/>
+          <a:p>
+            <a:r>
+              <a:rPr lang="x-none" altLang="zh-CN"/>
+              <a:t>练习</a:t>
+            </a:r>
+            <a:endParaRPr lang="x-none" altLang="zh-CN"/>
+          </a:p>
+        </p:txBody>
+      </p:sp>
+      <p:sp>
+        <p:nvSpPr>
+          <p:cNvPr id="3" name="内容占位符 2"/>
+          <p:cNvSpPr>
+            <a:spLocks noGrp="1"/>
+          </p:cNvSpPr>
+          <p:nvPr>
+            <p:ph idx="1"/>
+          </p:nvPr>
+        </p:nvSpPr>
+        <p:spPr/>
+        <p:txBody>
+          <a:bodyPr/>
+          <a:p>
+            <a:pPr lvl="0"/>
+            <a:r>
+              <a:rPr lang="x-none" altLang="zh-CN" sz="3200">
+                <a:sym typeface="+mn-ea"/>
+              </a:rPr>
+              <a:t>通用的标题和正文抽取器</a:t>
+            </a:r>
+            <a:endParaRPr lang="x-none" altLang="zh-CN" sz="3200"/>
+          </a:p>
+          <a:p>
+            <a:pPr lvl="1"/>
+            <a:r>
+              <a:rPr lang="x-none" altLang="zh-CN" sz="3200">
+                <a:sym typeface="+mn-ea"/>
+              </a:rPr>
+              <a:t>anchor text ratio</a:t>
+            </a:r>
+            <a:endParaRPr lang="x-none" altLang="zh-CN"/>
+          </a:p>
+          <a:p>
+            <a:r>
+              <a:rPr lang="x-none" altLang="zh-CN"/>
+              <a:t>网页截图，超过一屏的截屏，某个元素(验证码)的截屏</a:t>
+            </a:r>
+            <a:endParaRPr lang="x-none" altLang="zh-CN"/>
+          </a:p>
+          <a:p>
+            <a:pPr lvl="1"/>
+            <a:r>
+              <a:rPr lang="x-none" altLang="zh-CN"/>
+              <a:t>AShot</a:t>
+            </a:r>
+            <a:endParaRPr lang="x-none" altLang="zh-CN"/>
+          </a:p>
+          <a:p>
+            <a:pPr lvl="0"/>
+            <a:r>
+              <a:rPr lang="x-none" altLang="zh-CN"/>
+              <a:t>抓取qunar明天北京到上海所有航班的票价</a:t>
+            </a:r>
+            <a:endParaRPr lang="x-none" altLang="zh-CN"/>
+          </a:p>
+          <a:p>
+            <a:pPr lvl="1"/>
+            <a:r>
+              <a:rPr lang="x-none" altLang="zh-CN"/>
+              <a:t>前端视觉混淆</a:t>
+            </a:r>
+            <a:endParaRPr lang="x-none" altLang="zh-CN"/>
+          </a:p>
+          <a:p>
+            <a:pPr lvl="0"/>
+            <a:endParaRPr lang="x-none" altLang="zh-CN"/>
+          </a:p>
+          <a:p>
+            <a:pPr lvl="0"/>
             <a:endParaRPr lang="x-none" altLang="zh-CN"/>
           </a:p>
         </p:txBody>
